--- a/Создание модели файловой системы/Практика - модель файловой системы.pptx
+++ b/Создание модели файловой системы/Практика - модель файловой системы.pptx
@@ -13,6 +13,8 @@
     <p:sldId id="261" r:id="rId7"/>
     <p:sldId id="262" r:id="rId8"/>
     <p:sldId id="263" r:id="rId9"/>
+    <p:sldId id="264" r:id="rId10"/>
+    <p:sldId id="265" r:id="rId11"/>
   </p:sldIdLst>
   <p:sldSz cx="12192000" cy="6858000"/>
   <p:notesSz cx="6858000" cy="9144000"/>
@@ -111,6 +113,11 @@
       </a:defRPr>
     </a:lvl9pPr>
   </p:defaultTextStyle>
+  <p:extLst>
+    <p:ext uri="{EFAFB233-063F-42B5-8137-9DF3F51BA10A}">
+      <p15:sldGuideLst xmlns:p15="http://schemas.microsoft.com/office/powerpoint/2012/main"/>
+    </p:ext>
+  </p:extLst>
 </p:presentation>
 </file>
 
@@ -261,7 +268,7 @@
           <a:p>
             <a:fld id="{E19B0DF4-28FD-4B81-8200-365FBF3CC4B0}" type="datetimeFigureOut">
               <a:rPr lang="ru-RU" smtClean="0"/>
-              <a:t>13.11.2025</a:t>
+              <a:t>14.11.2025</a:t>
             </a:fld>
             <a:endParaRPr lang="ru-RU"/>
           </a:p>
@@ -459,7 +466,7 @@
           <a:p>
             <a:fld id="{E19B0DF4-28FD-4B81-8200-365FBF3CC4B0}" type="datetimeFigureOut">
               <a:rPr lang="ru-RU" smtClean="0"/>
-              <a:t>13.11.2025</a:t>
+              <a:t>14.11.2025</a:t>
             </a:fld>
             <a:endParaRPr lang="ru-RU"/>
           </a:p>
@@ -667,7 +674,7 @@
           <a:p>
             <a:fld id="{E19B0DF4-28FD-4B81-8200-365FBF3CC4B0}" type="datetimeFigureOut">
               <a:rPr lang="ru-RU" smtClean="0"/>
-              <a:t>13.11.2025</a:t>
+              <a:t>14.11.2025</a:t>
             </a:fld>
             <a:endParaRPr lang="ru-RU"/>
           </a:p>
@@ -865,7 +872,7 @@
           <a:p>
             <a:fld id="{E19B0DF4-28FD-4B81-8200-365FBF3CC4B0}" type="datetimeFigureOut">
               <a:rPr lang="ru-RU" smtClean="0"/>
-              <a:t>13.11.2025</a:t>
+              <a:t>14.11.2025</a:t>
             </a:fld>
             <a:endParaRPr lang="ru-RU"/>
           </a:p>
@@ -1140,7 +1147,7 @@
           <a:p>
             <a:fld id="{E19B0DF4-28FD-4B81-8200-365FBF3CC4B0}" type="datetimeFigureOut">
               <a:rPr lang="ru-RU" smtClean="0"/>
-              <a:t>13.11.2025</a:t>
+              <a:t>14.11.2025</a:t>
             </a:fld>
             <a:endParaRPr lang="ru-RU"/>
           </a:p>
@@ -1405,7 +1412,7 @@
           <a:p>
             <a:fld id="{E19B0DF4-28FD-4B81-8200-365FBF3CC4B0}" type="datetimeFigureOut">
               <a:rPr lang="ru-RU" smtClean="0"/>
-              <a:t>13.11.2025</a:t>
+              <a:t>14.11.2025</a:t>
             </a:fld>
             <a:endParaRPr lang="ru-RU"/>
           </a:p>
@@ -1817,7 +1824,7 @@
           <a:p>
             <a:fld id="{E19B0DF4-28FD-4B81-8200-365FBF3CC4B0}" type="datetimeFigureOut">
               <a:rPr lang="ru-RU" smtClean="0"/>
-              <a:t>13.11.2025</a:t>
+              <a:t>14.11.2025</a:t>
             </a:fld>
             <a:endParaRPr lang="ru-RU"/>
           </a:p>
@@ -1958,7 +1965,7 @@
           <a:p>
             <a:fld id="{E19B0DF4-28FD-4B81-8200-365FBF3CC4B0}" type="datetimeFigureOut">
               <a:rPr lang="ru-RU" smtClean="0"/>
-              <a:t>13.11.2025</a:t>
+              <a:t>14.11.2025</a:t>
             </a:fld>
             <a:endParaRPr lang="ru-RU"/>
           </a:p>
@@ -2071,7 +2078,7 @@
           <a:p>
             <a:fld id="{E19B0DF4-28FD-4B81-8200-365FBF3CC4B0}" type="datetimeFigureOut">
               <a:rPr lang="ru-RU" smtClean="0"/>
-              <a:t>13.11.2025</a:t>
+              <a:t>14.11.2025</a:t>
             </a:fld>
             <a:endParaRPr lang="ru-RU"/>
           </a:p>
@@ -2382,7 +2389,7 @@
           <a:p>
             <a:fld id="{E19B0DF4-28FD-4B81-8200-365FBF3CC4B0}" type="datetimeFigureOut">
               <a:rPr lang="ru-RU" smtClean="0"/>
-              <a:t>13.11.2025</a:t>
+              <a:t>14.11.2025</a:t>
             </a:fld>
             <a:endParaRPr lang="ru-RU"/>
           </a:p>
@@ -2670,7 +2677,7 @@
           <a:p>
             <a:fld id="{E19B0DF4-28FD-4B81-8200-365FBF3CC4B0}" type="datetimeFigureOut">
               <a:rPr lang="ru-RU" smtClean="0"/>
-              <a:t>13.11.2025</a:t>
+              <a:t>14.11.2025</a:t>
             </a:fld>
             <a:endParaRPr lang="ru-RU"/>
           </a:p>
@@ -2911,7 +2918,7 @@
           <a:p>
             <a:fld id="{E19B0DF4-28FD-4B81-8200-365FBF3CC4B0}" type="datetimeFigureOut">
               <a:rPr lang="ru-RU" smtClean="0"/>
-              <a:t>13.11.2025</a:t>
+              <a:t>14.11.2025</a:t>
             </a:fld>
             <a:endParaRPr lang="ru-RU"/>
           </a:p>
@@ -3422,6 +3429,271 @@
 </p:sld>
 </file>
 
+<file path=ppt/slides/slide10.xml><?xml version="1.0" encoding="utf-8"?>
+<p:sld xmlns:a="http://schemas.openxmlformats.org/drawingml/2006/main" xmlns:r="http://schemas.openxmlformats.org/officeDocument/2006/relationships" xmlns:p="http://schemas.openxmlformats.org/presentationml/2006/main">
+  <p:cSld>
+    <p:spTree>
+      <p:nvGrpSpPr>
+        <p:cNvPr id="1" name=""/>
+        <p:cNvGrpSpPr/>
+        <p:nvPr/>
+      </p:nvGrpSpPr>
+      <p:grpSpPr>
+        <a:xfrm>
+          <a:off x="0" y="0"/>
+          <a:ext cx="0" cy="0"/>
+          <a:chOff x="0" y="0"/>
+          <a:chExt cx="0" cy="0"/>
+        </a:xfrm>
+      </p:grpSpPr>
+      <p:sp>
+        <p:nvSpPr>
+          <p:cNvPr id="2" name="Заголовок 1">
+            <a:extLst>
+              <a:ext uri="{FF2B5EF4-FFF2-40B4-BE49-F238E27FC236}">
+                <a16:creationId xmlns:a16="http://schemas.microsoft.com/office/drawing/2014/main" id="{5A38A78A-A0E0-4F6F-9557-38D675881440}"/>
+              </a:ext>
+            </a:extLst>
+          </p:cNvPr>
+          <p:cNvSpPr>
+            <a:spLocks noGrp="1"/>
+          </p:cNvSpPr>
+          <p:nvPr>
+            <p:ph type="title"/>
+          </p:nvPr>
+        </p:nvSpPr>
+        <p:spPr>
+          <a:xfrm>
+            <a:off x="838200" y="365125"/>
+            <a:ext cx="10515600" cy="782357"/>
+          </a:xfrm>
+        </p:spPr>
+        <p:txBody>
+          <a:bodyPr/>
+          <a:lstStyle/>
+          <a:p>
+            <a:r>
+              <a:rPr lang="ru-RU" dirty="0"/>
+              <a:t>Класс перечисления</a:t>
+            </a:r>
+          </a:p>
+        </p:txBody>
+      </p:sp>
+      <p:sp>
+        <p:nvSpPr>
+          <p:cNvPr id="3" name="Объект 2">
+            <a:extLst>
+              <a:ext uri="{FF2B5EF4-FFF2-40B4-BE49-F238E27FC236}">
+                <a16:creationId xmlns:a16="http://schemas.microsoft.com/office/drawing/2014/main" id="{1283ADE5-2DB3-48D9-B976-2D59275AE72E}"/>
+              </a:ext>
+            </a:extLst>
+          </p:cNvPr>
+          <p:cNvSpPr>
+            <a:spLocks noGrp="1"/>
+          </p:cNvSpPr>
+          <p:nvPr>
+            <p:ph idx="1"/>
+          </p:nvPr>
+        </p:nvSpPr>
+        <p:spPr>
+          <a:xfrm>
+            <a:off x="838200" y="1371600"/>
+            <a:ext cx="10515600" cy="4832257"/>
+          </a:xfrm>
+        </p:spPr>
+        <p:txBody>
+          <a:bodyPr/>
+          <a:lstStyle/>
+          <a:p>
+            <a:pPr marL="0" indent="0" algn="just">
+              <a:buNone/>
+            </a:pPr>
+            <a:endParaRPr lang="ru-RU" dirty="0"/>
+          </a:p>
+          <a:p>
+            <a:pPr marL="0" indent="0" algn="just">
+              <a:buNone/>
+            </a:pPr>
+            <a:r>
+              <a:rPr lang="ru-RU" sz="2800" dirty="0"/>
+              <a:t>Вопрос: как определить, какой объект в векторе </a:t>
+            </a:r>
+            <a:r>
+              <a:rPr lang="en-US" sz="2800" i="1" dirty="0"/>
+              <a:t>elements</a:t>
+            </a:r>
+            <a:r>
+              <a:rPr lang="en-US" sz="2800" dirty="0"/>
+              <a:t> </a:t>
+            </a:r>
+            <a:r>
+              <a:rPr lang="ru-RU" sz="2800" dirty="0"/>
+              <a:t>скрывается под указателем</a:t>
+            </a:r>
+            <a:r>
+              <a:rPr lang="en-US" sz="2800" dirty="0"/>
+              <a:t> </a:t>
+            </a:r>
+            <a:r>
+              <a:rPr lang="en-US" sz="2000" dirty="0" err="1">
+                <a:solidFill>
+                  <a:srgbClr val="0000FF"/>
+                </a:solidFill>
+                <a:highlight>
+                  <a:srgbClr val="FFFFFF"/>
+                </a:highlight>
+                <a:latin typeface="Cascadia Mono" panose="020B0609020000020004" pitchFamily="49" charset="0"/>
+              </a:rPr>
+              <a:t>FileSystemElement</a:t>
+            </a:r>
+            <a:r>
+              <a:rPr lang="en-US" sz="2800" dirty="0"/>
+              <a:t>?</a:t>
+            </a:r>
+          </a:p>
+          <a:p>
+            <a:pPr marL="0" indent="0" algn="just">
+              <a:buNone/>
+            </a:pPr>
+            <a:r>
+              <a:rPr lang="ru-RU" dirty="0"/>
+              <a:t>Вариант решения:</a:t>
+            </a:r>
+          </a:p>
+          <a:p>
+            <a:pPr lvl="1" algn="just"/>
+            <a:r>
+              <a:rPr lang="ru-RU" dirty="0"/>
+              <a:t>Создать класс перечисления</a:t>
+            </a:r>
+            <a:r>
+              <a:rPr lang="en-US" dirty="0"/>
+              <a:t> </a:t>
+            </a:r>
+            <a:r>
+              <a:rPr lang="en-US" sz="2000" dirty="0" err="1">
+                <a:solidFill>
+                  <a:srgbClr val="0000FF"/>
+                </a:solidFill>
+                <a:highlight>
+                  <a:srgbClr val="FFFFFF"/>
+                </a:highlight>
+                <a:latin typeface="Cascadia Mono" panose="020B0609020000020004" pitchFamily="49" charset="0"/>
+              </a:rPr>
+              <a:t>enum</a:t>
+            </a:r>
+            <a:r>
+              <a:rPr lang="en-US" sz="2000" dirty="0">
+                <a:solidFill>
+                  <a:srgbClr val="0000FF"/>
+                </a:solidFill>
+                <a:highlight>
+                  <a:srgbClr val="FFFFFF"/>
+                </a:highlight>
+                <a:latin typeface="Cascadia Mono" panose="020B0609020000020004" pitchFamily="49" charset="0"/>
+              </a:rPr>
+              <a:t> class Type {FILE, FOLDER}</a:t>
+            </a:r>
+          </a:p>
+          <a:p>
+            <a:pPr lvl="1" algn="just"/>
+            <a:r>
+              <a:rPr lang="ru-RU" dirty="0"/>
+              <a:t>Реализовать методы внутри классов </a:t>
+            </a:r>
+            <a:r>
+              <a:rPr lang="en-US" sz="2400" dirty="0" err="1">
+                <a:solidFill>
+                  <a:srgbClr val="0000FF"/>
+                </a:solidFill>
+                <a:highlight>
+                  <a:srgbClr val="FFFFFF"/>
+                </a:highlight>
+                <a:latin typeface="Cascadia Mono" panose="020B0609020000020004" pitchFamily="49" charset="0"/>
+              </a:rPr>
+              <a:t>getType</a:t>
+            </a:r>
+            <a:r>
+              <a:rPr lang="en-US" sz="2400" dirty="0">
+                <a:solidFill>
+                  <a:srgbClr val="0000FF"/>
+                </a:solidFill>
+                <a:highlight>
+                  <a:srgbClr val="FFFFFF"/>
+                </a:highlight>
+                <a:latin typeface="Cascadia Mono" panose="020B0609020000020004" pitchFamily="49" charset="0"/>
+              </a:rPr>
+              <a:t>()</a:t>
+            </a:r>
+          </a:p>
+          <a:p>
+            <a:pPr lvl="1" algn="just"/>
+            <a:r>
+              <a:rPr lang="ru-RU" dirty="0"/>
+              <a:t>Благодаря данному методу мы можем понять, с каким типом элемента файловой системы мы работаем прямо сейчас</a:t>
+            </a:r>
+          </a:p>
+          <a:p>
+            <a:pPr marL="0" indent="0" algn="just">
+              <a:buNone/>
+            </a:pPr>
+            <a:r>
+              <a:rPr lang="ru-RU" dirty="0"/>
+              <a:t>Альтернатива: </a:t>
+            </a:r>
+            <a:r>
+              <a:rPr lang="en-US" sz="2000" dirty="0" err="1">
+                <a:solidFill>
+                  <a:srgbClr val="0000FF"/>
+                </a:solidFill>
+                <a:latin typeface="Cascadia Code" panose="020B0609020000020004" pitchFamily="49" charset="0"/>
+                <a:cs typeface="Cascadia Code" panose="020B0609020000020004" pitchFamily="49" charset="0"/>
+              </a:rPr>
+              <a:t>dynamic_cast</a:t>
+            </a:r>
+            <a:r>
+              <a:rPr lang="ru-RU" sz="2000" dirty="0">
+                <a:solidFill>
+                  <a:srgbClr val="0000FF"/>
+                </a:solidFill>
+                <a:latin typeface="Cascadia Code" panose="020B0609020000020004" pitchFamily="49" charset="0"/>
+                <a:cs typeface="Cascadia Code" panose="020B0609020000020004" pitchFamily="49" charset="0"/>
+              </a:rPr>
+              <a:t> </a:t>
+            </a:r>
+            <a:r>
+              <a:rPr lang="ru-RU" dirty="0"/>
+              <a:t>(он более медленный)</a:t>
+            </a:r>
+            <a:endParaRPr lang="en-US" dirty="0">
+              <a:solidFill>
+                <a:srgbClr val="0000FF"/>
+              </a:solidFill>
+              <a:latin typeface="Cascadia Code" panose="020B0609020000020004" pitchFamily="49" charset="0"/>
+              <a:cs typeface="Cascadia Code" panose="020B0609020000020004" pitchFamily="49" charset="0"/>
+            </a:endParaRPr>
+          </a:p>
+          <a:p>
+            <a:pPr marL="457200" lvl="1" indent="0" algn="just">
+              <a:buNone/>
+            </a:pPr>
+            <a:endParaRPr lang="ru-RU" dirty="0"/>
+          </a:p>
+        </p:txBody>
+      </p:sp>
+    </p:spTree>
+    <p:extLst>
+      <p:ext uri="{BB962C8B-B14F-4D97-AF65-F5344CB8AC3E}">
+        <p14:creationId xmlns:p14="http://schemas.microsoft.com/office/powerpoint/2010/main" val="2050540719"/>
+      </p:ext>
+    </p:extLst>
+  </p:cSld>
+  <p:clrMapOvr>
+    <a:masterClrMapping/>
+  </p:clrMapOvr>
+</p:sld>
+</file>
+
 <file path=ppt/slides/slide2.xml><?xml version="1.0" encoding="utf-8"?>
 <p:sld xmlns:a="http://schemas.openxmlformats.org/drawingml/2006/main" xmlns:r="http://schemas.openxmlformats.org/officeDocument/2006/relationships" xmlns:p="http://schemas.openxmlformats.org/presentationml/2006/main">
   <p:cSld>
@@ -4657,7 +4929,7 @@
           <a:p>
             <a:r>
               <a:rPr lang="ru-RU" dirty="0"/>
-              <a:t>Подсказка в реализации</a:t>
+              <a:t>Пример вывода дерева файловой системы</a:t>
             </a:r>
           </a:p>
         </p:txBody>
@@ -4688,12 +4960,9 @@
           <a:bodyPr/>
           <a:lstStyle/>
           <a:p>
-            <a:r>
-              <a:rPr lang="ru-RU" dirty="0"/>
-              <a:t>Пример вывода дерева файловой системы:</a:t>
-            </a:r>
-          </a:p>
-          <a:p>
+            <a:pPr marL="0" indent="0">
+              <a:buNone/>
+            </a:pPr>
             <a:endParaRPr lang="ru-RU" dirty="0"/>
           </a:p>
         </p:txBody>
@@ -4732,6 +5001,251 @@
     <p:extLst>
       <p:ext uri="{BB962C8B-B14F-4D97-AF65-F5344CB8AC3E}">
         <p14:creationId xmlns:p14="http://schemas.microsoft.com/office/powerpoint/2010/main" val="4275148917"/>
+      </p:ext>
+    </p:extLst>
+  </p:cSld>
+  <p:clrMapOvr>
+    <a:masterClrMapping/>
+  </p:clrMapOvr>
+</p:sld>
+</file>
+
+<file path=ppt/slides/slide9.xml><?xml version="1.0" encoding="utf-8"?>
+<p:sld xmlns:a="http://schemas.openxmlformats.org/drawingml/2006/main" xmlns:r="http://schemas.openxmlformats.org/officeDocument/2006/relationships" xmlns:p="http://schemas.openxmlformats.org/presentationml/2006/main">
+  <p:cSld>
+    <p:spTree>
+      <p:nvGrpSpPr>
+        <p:cNvPr id="1" name=""/>
+        <p:cNvGrpSpPr/>
+        <p:nvPr/>
+      </p:nvGrpSpPr>
+      <p:grpSpPr>
+        <a:xfrm>
+          <a:off x="0" y="0"/>
+          <a:ext cx="0" cy="0"/>
+          <a:chOff x="0" y="0"/>
+          <a:chExt cx="0" cy="0"/>
+        </a:xfrm>
+      </p:grpSpPr>
+      <p:sp>
+        <p:nvSpPr>
+          <p:cNvPr id="2" name="Заголовок 1">
+            <a:extLst>
+              <a:ext uri="{FF2B5EF4-FFF2-40B4-BE49-F238E27FC236}">
+                <a16:creationId xmlns:a16="http://schemas.microsoft.com/office/drawing/2014/main" id="{A79F00A6-F0D5-4D04-800A-5D25BA153DAC}"/>
+              </a:ext>
+            </a:extLst>
+          </p:cNvPr>
+          <p:cNvSpPr>
+            <a:spLocks noGrp="1"/>
+          </p:cNvSpPr>
+          <p:nvPr>
+            <p:ph type="title"/>
+          </p:nvPr>
+        </p:nvSpPr>
+        <p:spPr>
+          <a:xfrm>
+            <a:off x="838200" y="365126"/>
+            <a:ext cx="10515600" cy="612028"/>
+          </a:xfrm>
+        </p:spPr>
+        <p:txBody>
+          <a:bodyPr>
+            <a:normAutofit fontScale="90000"/>
+          </a:bodyPr>
+          <a:lstStyle/>
+          <a:p>
+            <a:r>
+              <a:rPr lang="ru-RU" dirty="0"/>
+              <a:t>Расширение функционала</a:t>
+            </a:r>
+          </a:p>
+        </p:txBody>
+      </p:sp>
+      <p:sp>
+        <p:nvSpPr>
+          <p:cNvPr id="3" name="Объект 2">
+            <a:extLst>
+              <a:ext uri="{FF2B5EF4-FFF2-40B4-BE49-F238E27FC236}">
+                <a16:creationId xmlns:a16="http://schemas.microsoft.com/office/drawing/2014/main" id="{0302F777-5224-4454-B45E-5A3FEC096FDE}"/>
+              </a:ext>
+            </a:extLst>
+          </p:cNvPr>
+          <p:cNvSpPr>
+            <a:spLocks noGrp="1"/>
+          </p:cNvSpPr>
+          <p:nvPr>
+            <p:ph idx="1"/>
+          </p:nvPr>
+        </p:nvSpPr>
+        <p:spPr>
+          <a:xfrm>
+            <a:off x="448235" y="1801906"/>
+            <a:ext cx="11187953" cy="4285129"/>
+          </a:xfrm>
+        </p:spPr>
+        <p:txBody>
+          <a:bodyPr>
+            <a:normAutofit/>
+          </a:bodyPr>
+          <a:lstStyle/>
+          <a:p>
+            <a:pPr marL="0" indent="0" algn="just">
+              <a:buNone/>
+            </a:pPr>
+            <a:r>
+              <a:rPr lang="ru-RU" dirty="0"/>
+              <a:t>Сегодня мы сосредоточимся на упрощении навигации внутри нашей модели файловой системы. Для этого</a:t>
+            </a:r>
+          </a:p>
+          <a:p>
+            <a:pPr algn="just"/>
+            <a:r>
+              <a:rPr lang="ru-RU" sz="2400" dirty="0"/>
+              <a:t>Проведём рефакторинг создания элемента системы (</a:t>
+            </a:r>
+            <a:r>
+              <a:rPr lang="en-US" sz="1600" dirty="0" err="1">
+                <a:solidFill>
+                  <a:srgbClr val="0000FF"/>
+                </a:solidFill>
+                <a:highlight>
+                  <a:srgbClr val="FFFFFF"/>
+                </a:highlight>
+                <a:latin typeface="Cascadia Mono" panose="020B0609020000020004" pitchFamily="49" charset="0"/>
+              </a:rPr>
+              <a:t>createFolder</a:t>
+            </a:r>
+            <a:r>
+              <a:rPr lang="ru-RU" sz="2400" dirty="0"/>
+              <a:t>, </a:t>
+            </a:r>
+            <a:r>
+              <a:rPr lang="en-US" sz="1600" dirty="0" err="1">
+                <a:solidFill>
+                  <a:srgbClr val="0000FF"/>
+                </a:solidFill>
+                <a:highlight>
+                  <a:srgbClr val="FFFFFF"/>
+                </a:highlight>
+                <a:latin typeface="Cascadia Mono" panose="020B0609020000020004" pitchFamily="49" charset="0"/>
+              </a:rPr>
+              <a:t>createFile</a:t>
+            </a:r>
+            <a:r>
+              <a:rPr lang="ru-RU" sz="2400" dirty="0"/>
+              <a:t> вместо </a:t>
+            </a:r>
+            <a:r>
+              <a:rPr lang="en-US" sz="1600" dirty="0" err="1">
+                <a:solidFill>
+                  <a:srgbClr val="0000FF"/>
+                </a:solidFill>
+                <a:highlight>
+                  <a:srgbClr val="FFFFFF"/>
+                </a:highlight>
+                <a:latin typeface="Cascadia Mono" panose="020B0609020000020004" pitchFamily="49" charset="0"/>
+              </a:rPr>
+              <a:t>addElement</a:t>
+            </a:r>
+            <a:r>
+              <a:rPr lang="ru-RU" sz="2400" dirty="0"/>
+              <a:t>)</a:t>
+            </a:r>
+            <a:endParaRPr lang="en-US" sz="2400" dirty="0"/>
+          </a:p>
+          <a:p>
+            <a:pPr algn="just"/>
+            <a:r>
+              <a:rPr lang="ru-RU" sz="2400" dirty="0"/>
+              <a:t>Добавим новое поле </a:t>
+            </a:r>
+            <a:r>
+              <a:rPr lang="en-US" sz="2400" dirty="0"/>
+              <a:t>parent (</a:t>
+            </a:r>
+            <a:r>
+              <a:rPr lang="ru-RU" sz="2400" dirty="0"/>
+              <a:t>родительская папка</a:t>
+            </a:r>
+            <a:r>
+              <a:rPr lang="en-US" sz="2400" dirty="0"/>
+              <a:t>) + </a:t>
+            </a:r>
+            <a:r>
+              <a:rPr lang="ru-RU" sz="2400" dirty="0"/>
+              <a:t>сеттер и геттер для него</a:t>
+            </a:r>
+            <a:endParaRPr lang="en-US" sz="2400" dirty="0"/>
+          </a:p>
+          <a:p>
+            <a:pPr algn="just"/>
+            <a:r>
+              <a:rPr lang="ru-RU" sz="2400" dirty="0"/>
+              <a:t>Реализуем поиск элемента файловой системы по имени (фундамент)</a:t>
+            </a:r>
+            <a:endParaRPr lang="en-US" sz="2400" dirty="0"/>
+          </a:p>
+          <a:p>
+            <a:pPr lvl="1" algn="just"/>
+            <a:r>
+              <a:rPr lang="ru-RU" sz="2000" dirty="0"/>
+              <a:t>Поиск в текущей папке (</a:t>
+            </a:r>
+            <a:r>
+              <a:rPr lang="en-US" sz="1800" dirty="0" err="1">
+                <a:solidFill>
+                  <a:srgbClr val="0000FF"/>
+                </a:solidFill>
+                <a:highlight>
+                  <a:srgbClr val="FFFFFF"/>
+                </a:highlight>
+                <a:latin typeface="Cascadia Mono" panose="020B0609020000020004" pitchFamily="49" charset="0"/>
+              </a:rPr>
+              <a:t>findLocalByName</a:t>
+            </a:r>
+            <a:r>
+              <a:rPr lang="ru-RU" sz="2000" dirty="0"/>
+              <a:t>)</a:t>
+            </a:r>
+            <a:endParaRPr lang="en-US" sz="2400" dirty="0"/>
+          </a:p>
+          <a:p>
+            <a:pPr algn="just"/>
+            <a:r>
+              <a:rPr lang="ru-RU" sz="2400" dirty="0"/>
+              <a:t>Реализуем удаление файла в текущей директории (на основе поиска)</a:t>
+            </a:r>
+            <a:endParaRPr lang="en-US" sz="2400" dirty="0"/>
+          </a:p>
+          <a:p>
+            <a:pPr algn="just"/>
+            <a:r>
+              <a:rPr lang="ru-RU" sz="2400" dirty="0"/>
+              <a:t>Реализуем глубокий поиск (по всем внутренним папкам)</a:t>
+            </a:r>
+            <a:endParaRPr lang="en-US" sz="2400" dirty="0"/>
+          </a:p>
+          <a:p>
+            <a:pPr algn="just"/>
+            <a:r>
+              <a:rPr lang="ru-RU" sz="2400" dirty="0"/>
+              <a:t>Подсчитаем количество файлов и папок</a:t>
+            </a:r>
+            <a:endParaRPr lang="en-US" sz="2400" dirty="0"/>
+          </a:p>
+          <a:p>
+            <a:pPr marL="0" indent="0" algn="just">
+              <a:buNone/>
+            </a:pPr>
+            <a:endParaRPr lang="ru-RU" dirty="0"/>
+          </a:p>
+        </p:txBody>
+      </p:sp>
+    </p:spTree>
+    <p:extLst>
+      <p:ext uri="{BB962C8B-B14F-4D97-AF65-F5344CB8AC3E}">
+        <p14:creationId xmlns:p14="http://schemas.microsoft.com/office/powerpoint/2010/main" val="3000855046"/>
       </p:ext>
     </p:extLst>
   </p:cSld>
